--- a/slides/Module 1 - Introduction and Basics.pptx
+++ b/slides/Module 1 - Introduction and Basics.pptx
@@ -5,7 +5,7 @@
     <p:sldMasterId id="2147483648" r:id="rId1"/>
   </p:sldMasterIdLst>
   <p:notesMasterIdLst>
-    <p:notesMasterId r:id="rId47"/>
+    <p:notesMasterId r:id="rId49"/>
   </p:notesMasterIdLst>
   <p:sldIdLst>
     <p:sldId id="256" r:id="rId2"/>
@@ -53,6 +53,8 @@
     <p:sldId id="298" r:id="rId44"/>
     <p:sldId id="299" r:id="rId45"/>
     <p:sldId id="300" r:id="rId46"/>
+    <p:sldId id="302" r:id="rId47"/>
+    <p:sldId id="301" r:id="rId48"/>
   </p:sldIdLst>
   <p:sldSz cx="12192000" cy="6858000"/>
   <p:notesSz cx="6858000" cy="9144000"/>
@@ -9154,6 +9156,181 @@
     <p:extLst>
       <p:ext uri="{BB962C8B-B14F-4D97-AF65-F5344CB8AC3E}">
         <p14:creationId xmlns:p14="http://schemas.microsoft.com/office/powerpoint/2010/main" val="1860429933"/>
+      </p:ext>
+    </p:extLst>
+  </p:cSld>
+  <p:clrMapOvr>
+    <a:masterClrMapping/>
+  </p:clrMapOvr>
+</p:sld>
+</file>
+
+<file path=ppt/slides/slide46.xml><?xml version="1.0" encoding="utf-8"?>
+<p:sld xmlns:a="http://schemas.openxmlformats.org/drawingml/2006/main" xmlns:r="http://schemas.openxmlformats.org/officeDocument/2006/relationships" xmlns:p="http://schemas.openxmlformats.org/presentationml/2006/main">
+  <p:cSld>
+    <p:spTree>
+      <p:nvGrpSpPr>
+        <p:cNvPr id="1" name=""/>
+        <p:cNvGrpSpPr/>
+        <p:nvPr/>
+      </p:nvGrpSpPr>
+      <p:grpSpPr>
+        <a:xfrm>
+          <a:off x="0" y="0"/>
+          <a:ext cx="0" cy="0"/>
+          <a:chOff x="0" y="0"/>
+          <a:chExt cx="0" cy="0"/>
+        </a:xfrm>
+      </p:grpSpPr>
+      <p:sp>
+        <p:nvSpPr>
+          <p:cNvPr id="2" name="Title 1">
+            <a:extLst>
+              <a:ext uri="{FF2B5EF4-FFF2-40B4-BE49-F238E27FC236}">
+                <a16:creationId xmlns:a16="http://schemas.microsoft.com/office/drawing/2014/main" id="{2FEB1FE2-D386-4109-9D8A-62D949248D03}"/>
+              </a:ext>
+            </a:extLst>
+          </p:cNvPr>
+          <p:cNvSpPr>
+            <a:spLocks noGrp="1"/>
+          </p:cNvSpPr>
+          <p:nvPr>
+            <p:ph type="title"/>
+          </p:nvPr>
+        </p:nvSpPr>
+        <p:spPr/>
+        <p:txBody>
+          <a:bodyPr/>
+          <a:lstStyle/>
+          <a:p>
+            <a:r>
+              <a:rPr lang="en-US" dirty="0"/>
+              <a:t>Questions?</a:t>
+            </a:r>
+          </a:p>
+        </p:txBody>
+      </p:sp>
+      <p:sp>
+        <p:nvSpPr>
+          <p:cNvPr id="3" name="Text Placeholder 2">
+            <a:extLst>
+              <a:ext uri="{FF2B5EF4-FFF2-40B4-BE49-F238E27FC236}">
+                <a16:creationId xmlns:a16="http://schemas.microsoft.com/office/drawing/2014/main" id="{416CF8AE-0BC8-4650-8590-B6692DBA555A}"/>
+              </a:ext>
+            </a:extLst>
+          </p:cNvPr>
+          <p:cNvSpPr>
+            <a:spLocks noGrp="1"/>
+          </p:cNvSpPr>
+          <p:nvPr>
+            <p:ph type="body" idx="1"/>
+          </p:nvPr>
+        </p:nvSpPr>
+        <p:spPr/>
+        <p:txBody>
+          <a:bodyPr/>
+          <a:lstStyle/>
+          <a:p>
+            <a:endParaRPr lang="en-US"/>
+          </a:p>
+        </p:txBody>
+      </p:sp>
+    </p:spTree>
+    <p:extLst>
+      <p:ext uri="{BB962C8B-B14F-4D97-AF65-F5344CB8AC3E}">
+        <p14:creationId xmlns:p14="http://schemas.microsoft.com/office/powerpoint/2010/main" val="2878860350"/>
+      </p:ext>
+    </p:extLst>
+  </p:cSld>
+  <p:clrMapOvr>
+    <a:masterClrMapping/>
+  </p:clrMapOvr>
+</p:sld>
+</file>
+
+<file path=ppt/slides/slide47.xml><?xml version="1.0" encoding="utf-8"?>
+<p:sld xmlns:a="http://schemas.openxmlformats.org/drawingml/2006/main" xmlns:r="http://schemas.openxmlformats.org/officeDocument/2006/relationships" xmlns:p="http://schemas.openxmlformats.org/presentationml/2006/main">
+  <p:cSld>
+    <p:spTree>
+      <p:nvGrpSpPr>
+        <p:cNvPr id="1" name=""/>
+        <p:cNvGrpSpPr/>
+        <p:nvPr/>
+      </p:nvGrpSpPr>
+      <p:grpSpPr>
+        <a:xfrm>
+          <a:off x="0" y="0"/>
+          <a:ext cx="0" cy="0"/>
+          <a:chOff x="0" y="0"/>
+          <a:chExt cx="0" cy="0"/>
+        </a:xfrm>
+      </p:grpSpPr>
+      <p:sp>
+        <p:nvSpPr>
+          <p:cNvPr id="2" name="Title 1">
+            <a:extLst>
+              <a:ext uri="{FF2B5EF4-FFF2-40B4-BE49-F238E27FC236}">
+                <a16:creationId xmlns:a16="http://schemas.microsoft.com/office/drawing/2014/main" id="{1D9D251E-7423-41A6-8A85-40B56B8010BD}"/>
+              </a:ext>
+            </a:extLst>
+          </p:cNvPr>
+          <p:cNvSpPr>
+            <a:spLocks noGrp="1"/>
+          </p:cNvSpPr>
+          <p:nvPr>
+            <p:ph type="title"/>
+          </p:nvPr>
+        </p:nvSpPr>
+        <p:spPr/>
+        <p:txBody>
+          <a:bodyPr/>
+          <a:lstStyle/>
+          <a:p>
+            <a:r>
+              <a:rPr lang="en-US" dirty="0"/>
+              <a:t>Practice</a:t>
+            </a:r>
+          </a:p>
+        </p:txBody>
+      </p:sp>
+      <p:sp>
+        <p:nvSpPr>
+          <p:cNvPr id="3" name="Content Placeholder 2">
+            <a:extLst>
+              <a:ext uri="{FF2B5EF4-FFF2-40B4-BE49-F238E27FC236}">
+                <a16:creationId xmlns:a16="http://schemas.microsoft.com/office/drawing/2014/main" id="{D550796C-B837-477A-B8B1-FDA8DF71516A}"/>
+              </a:ext>
+            </a:extLst>
+          </p:cNvPr>
+          <p:cNvSpPr>
+            <a:spLocks noGrp="1"/>
+          </p:cNvSpPr>
+          <p:nvPr>
+            <p:ph idx="1"/>
+          </p:nvPr>
+        </p:nvSpPr>
+        <p:spPr/>
+        <p:txBody>
+          <a:bodyPr/>
+          <a:lstStyle/>
+          <a:p>
+            <a:r>
+              <a:rPr lang="en-US" dirty="0"/>
+              <a:t>Try out 1.5 HTML Attributes – Exercises on W3Schools</a:t>
+            </a:r>
+          </a:p>
+          <a:p>
+            <a:r>
+              <a:rPr lang="en-US"/>
+              <a:t>Module1-Exercises</a:t>
+            </a:r>
+          </a:p>
+        </p:txBody>
+      </p:sp>
+    </p:spTree>
+    <p:extLst>
+      <p:ext uri="{BB962C8B-B14F-4D97-AF65-F5344CB8AC3E}">
+        <p14:creationId xmlns:p14="http://schemas.microsoft.com/office/powerpoint/2010/main" val="1323486252"/>
       </p:ext>
     </p:extLst>
   </p:cSld>

--- a/slides/Module 1 - Introduction and Basics.pptx
+++ b/slides/Module 1 - Introduction and Basics.pptx
@@ -243,7 +243,7 @@
           <a:p>
             <a:fld id="{7CDA22E5-D750-424D-96BB-34C5DE65819A}" type="datetimeFigureOut">
               <a:rPr lang="en-US" smtClean="0"/>
-              <a:t>5/30/2023</a:t>
+              <a:t>9/12/2023</a:t>
             </a:fld>
             <a:endParaRPr lang="en-US"/>
           </a:p>
@@ -1094,7 +1094,7 @@
           <a:p>
             <a:fld id="{0FBCDD67-C8A9-42D9-B7C1-D5202BCDE9D3}" type="datetimeFigureOut">
               <a:rPr lang="en-US" smtClean="0"/>
-              <a:t>5/30/2023</a:t>
+              <a:t>9/12/2023</a:t>
             </a:fld>
             <a:endParaRPr lang="en-US"/>
           </a:p>
@@ -1292,7 +1292,7 @@
           <a:p>
             <a:fld id="{0FBCDD67-C8A9-42D9-B7C1-D5202BCDE9D3}" type="datetimeFigureOut">
               <a:rPr lang="en-US" smtClean="0"/>
-              <a:t>5/30/2023</a:t>
+              <a:t>9/12/2023</a:t>
             </a:fld>
             <a:endParaRPr lang="en-US"/>
           </a:p>
@@ -1500,7 +1500,7 @@
           <a:p>
             <a:fld id="{0FBCDD67-C8A9-42D9-B7C1-D5202BCDE9D3}" type="datetimeFigureOut">
               <a:rPr lang="en-US" smtClean="0"/>
-              <a:t>5/30/2023</a:t>
+              <a:t>9/12/2023</a:t>
             </a:fld>
             <a:endParaRPr lang="en-US"/>
           </a:p>
@@ -1698,7 +1698,7 @@
           <a:p>
             <a:fld id="{0FBCDD67-C8A9-42D9-B7C1-D5202BCDE9D3}" type="datetimeFigureOut">
               <a:rPr lang="en-US" smtClean="0"/>
-              <a:t>5/30/2023</a:t>
+              <a:t>9/12/2023</a:t>
             </a:fld>
             <a:endParaRPr lang="en-US"/>
           </a:p>
@@ -1973,7 +1973,7 @@
           <a:p>
             <a:fld id="{0FBCDD67-C8A9-42D9-B7C1-D5202BCDE9D3}" type="datetimeFigureOut">
               <a:rPr lang="en-US" smtClean="0"/>
-              <a:t>5/30/2023</a:t>
+              <a:t>9/12/2023</a:t>
             </a:fld>
             <a:endParaRPr lang="en-US"/>
           </a:p>
@@ -2238,7 +2238,7 @@
           <a:p>
             <a:fld id="{0FBCDD67-C8A9-42D9-B7C1-D5202BCDE9D3}" type="datetimeFigureOut">
               <a:rPr lang="en-US" smtClean="0"/>
-              <a:t>5/30/2023</a:t>
+              <a:t>9/12/2023</a:t>
             </a:fld>
             <a:endParaRPr lang="en-US"/>
           </a:p>
@@ -2650,7 +2650,7 @@
           <a:p>
             <a:fld id="{0FBCDD67-C8A9-42D9-B7C1-D5202BCDE9D3}" type="datetimeFigureOut">
               <a:rPr lang="en-US" smtClean="0"/>
-              <a:t>5/30/2023</a:t>
+              <a:t>9/12/2023</a:t>
             </a:fld>
             <a:endParaRPr lang="en-US"/>
           </a:p>
@@ -2791,7 +2791,7 @@
           <a:p>
             <a:fld id="{0FBCDD67-C8A9-42D9-B7C1-D5202BCDE9D3}" type="datetimeFigureOut">
               <a:rPr lang="en-US" smtClean="0"/>
-              <a:t>5/30/2023</a:t>
+              <a:t>9/12/2023</a:t>
             </a:fld>
             <a:endParaRPr lang="en-US"/>
           </a:p>
@@ -2904,7 +2904,7 @@
           <a:p>
             <a:fld id="{0FBCDD67-C8A9-42D9-B7C1-D5202BCDE9D3}" type="datetimeFigureOut">
               <a:rPr lang="en-US" smtClean="0"/>
-              <a:t>5/30/2023</a:t>
+              <a:t>9/12/2023</a:t>
             </a:fld>
             <a:endParaRPr lang="en-US"/>
           </a:p>
@@ -3215,7 +3215,7 @@
           <a:p>
             <a:fld id="{0FBCDD67-C8A9-42D9-B7C1-D5202BCDE9D3}" type="datetimeFigureOut">
               <a:rPr lang="en-US" smtClean="0"/>
-              <a:t>5/30/2023</a:t>
+              <a:t>9/12/2023</a:t>
             </a:fld>
             <a:endParaRPr lang="en-US"/>
           </a:p>
@@ -3503,7 +3503,7 @@
           <a:p>
             <a:fld id="{0FBCDD67-C8A9-42D9-B7C1-D5202BCDE9D3}" type="datetimeFigureOut">
               <a:rPr lang="en-US" smtClean="0"/>
-              <a:t>5/30/2023</a:t>
+              <a:t>9/12/2023</a:t>
             </a:fld>
             <a:endParaRPr lang="en-US"/>
           </a:p>
@@ -3744,7 +3744,7 @@
           <a:p>
             <a:fld id="{0FBCDD67-C8A9-42D9-B7C1-D5202BCDE9D3}" type="datetimeFigureOut">
               <a:rPr lang="en-US" smtClean="0"/>
-              <a:t>5/30/2023</a:t>
+              <a:t>9/12/2023</a:t>
             </a:fld>
             <a:endParaRPr lang="en-US"/>
           </a:p>
